--- a/EarthCube2018/EarthCube2018poster.pptx
+++ b/EarthCube2018/EarthCube2018poster.pptx
@@ -218,7 +218,7 @@
           <a:p>
             <a:fld id="{3171C2A9-3E64-4CB9-ABD3-B13137213D17}" type="datetimeFigureOut">
               <a:rPr lang="en-US" smtClean="0"/>
-              <a:t>5/24/2018</a:t>
+              <a:t>5/30/2018</a:t>
             </a:fld>
             <a:endParaRPr lang="en-US"/>
           </a:p>
@@ -754,7 +754,7 @@
             <a:fld id="{25739577-A8FE-416D-AD3C-DAA948555F98}" type="datetimeFigureOut">
               <a:rPr lang="en-US" smtClean="0"/>
               <a:pPr/>
-              <a:t>5/24/2018</a:t>
+              <a:t>5/30/2018</a:t>
             </a:fld>
             <a:endParaRPr lang="en-US"/>
           </a:p>
@@ -919,7 +919,7 @@
             <a:fld id="{25739577-A8FE-416D-AD3C-DAA948555F98}" type="datetimeFigureOut">
               <a:rPr lang="en-US" smtClean="0"/>
               <a:pPr/>
-              <a:t>5/24/2018</a:t>
+              <a:t>5/30/2018</a:t>
             </a:fld>
             <a:endParaRPr lang="en-US"/>
           </a:p>
@@ -1094,7 +1094,7 @@
             <a:fld id="{25739577-A8FE-416D-AD3C-DAA948555F98}" type="datetimeFigureOut">
               <a:rPr lang="en-US" smtClean="0"/>
               <a:pPr/>
-              <a:t>5/24/2018</a:t>
+              <a:t>5/30/2018</a:t>
             </a:fld>
             <a:endParaRPr lang="en-US"/>
           </a:p>
@@ -1259,7 +1259,7 @@
             <a:fld id="{25739577-A8FE-416D-AD3C-DAA948555F98}" type="datetimeFigureOut">
               <a:rPr lang="en-US" smtClean="0"/>
               <a:pPr/>
-              <a:t>5/24/2018</a:t>
+              <a:t>5/30/2018</a:t>
             </a:fld>
             <a:endParaRPr lang="en-US"/>
           </a:p>
@@ -1501,7 +1501,7 @@
             <a:fld id="{25739577-A8FE-416D-AD3C-DAA948555F98}" type="datetimeFigureOut">
               <a:rPr lang="en-US" smtClean="0"/>
               <a:pPr/>
-              <a:t>5/24/2018</a:t>
+              <a:t>5/30/2018</a:t>
             </a:fld>
             <a:endParaRPr lang="en-US"/>
           </a:p>
@@ -1783,7 +1783,7 @@
             <a:fld id="{25739577-A8FE-416D-AD3C-DAA948555F98}" type="datetimeFigureOut">
               <a:rPr lang="en-US" smtClean="0"/>
               <a:pPr/>
-              <a:t>5/24/2018</a:t>
+              <a:t>5/30/2018</a:t>
             </a:fld>
             <a:endParaRPr lang="en-US"/>
           </a:p>
@@ -2204,7 +2204,7 @@
             <a:fld id="{25739577-A8FE-416D-AD3C-DAA948555F98}" type="datetimeFigureOut">
               <a:rPr lang="en-US" smtClean="0"/>
               <a:pPr/>
-              <a:t>5/24/2018</a:t>
+              <a:t>5/30/2018</a:t>
             </a:fld>
             <a:endParaRPr lang="en-US"/>
           </a:p>
@@ -2318,7 +2318,7 @@
             <a:fld id="{25739577-A8FE-416D-AD3C-DAA948555F98}" type="datetimeFigureOut">
               <a:rPr lang="en-US" smtClean="0"/>
               <a:pPr/>
-              <a:t>5/24/2018</a:t>
+              <a:t>5/30/2018</a:t>
             </a:fld>
             <a:endParaRPr lang="en-US"/>
           </a:p>
@@ -2410,7 +2410,7 @@
             <a:fld id="{25739577-A8FE-416D-AD3C-DAA948555F98}" type="datetimeFigureOut">
               <a:rPr lang="en-US" smtClean="0"/>
               <a:pPr/>
-              <a:t>5/24/2018</a:t>
+              <a:t>5/30/2018</a:t>
             </a:fld>
             <a:endParaRPr lang="en-US"/>
           </a:p>
@@ -2682,7 +2682,7 @@
             <a:fld id="{25739577-A8FE-416D-AD3C-DAA948555F98}" type="datetimeFigureOut">
               <a:rPr lang="en-US" smtClean="0"/>
               <a:pPr/>
-              <a:t>5/24/2018</a:t>
+              <a:t>5/30/2018</a:t>
             </a:fld>
             <a:endParaRPr lang="en-US"/>
           </a:p>
@@ -2931,7 +2931,7 @@
             <a:fld id="{25739577-A8FE-416D-AD3C-DAA948555F98}" type="datetimeFigureOut">
               <a:rPr lang="en-US" smtClean="0"/>
               <a:pPr/>
-              <a:t>5/24/2018</a:t>
+              <a:t>5/30/2018</a:t>
             </a:fld>
             <a:endParaRPr lang="en-US"/>
           </a:p>
@@ -3139,7 +3139,7 @@
             <a:fld id="{25739577-A8FE-416D-AD3C-DAA948555F98}" type="datetimeFigureOut">
               <a:rPr lang="en-US" smtClean="0"/>
               <a:pPr/>
-              <a:t>5/24/2018</a:t>
+              <a:t>5/30/2018</a:t>
             </a:fld>
             <a:endParaRPr lang="en-US"/>
           </a:p>
@@ -4099,7 +4099,7 @@
           <a:graphicData uri="http://schemas.openxmlformats.org/presentationml/2006/ole">
             <mc:AlternateContent xmlns:mc="http://schemas.openxmlformats.org/markup-compatibility/2006">
               <mc:Choice xmlns:v="urn:schemas-microsoft-com:vml" Requires="v">
-                <p:oleObj spid="_x0000_s1128" name="Equation" r:id="rId8" imgW="114300" imgH="165100" progId="Equation.3">
+                <p:oleObj spid="_x0000_s1026" name="Equation" r:id="rId8" imgW="114300" imgH="165100" progId="Equation.3">
                   <p:embed/>
                 </p:oleObj>
               </mc:Choice>
@@ -4108,7 +4108,7 @@
                   <p:embed/>
                   <p:pic>
                     <p:nvPicPr>
-                      <p:cNvPr id="0" name=""/>
+                      <p:cNvPr id="13" name="Object 12"/>
                       <p:cNvPicPr/>
                       <p:nvPr/>
                     </p:nvPicPr>
@@ -4470,7 +4470,7 @@
         <p:spPr>
           <a:xfrm>
             <a:off x="19213191" y="11917091"/>
-            <a:ext cx="13050122" cy="23114020"/>
+            <a:ext cx="13050122" cy="27422892"/>
           </a:xfrm>
           <a:prstGeom prst="rect">
             <a:avLst/>
@@ -4637,11 +4637,6 @@
             </a:endParaRPr>
           </a:p>
           <a:p>
-            <a:endParaRPr lang="en-US" sz="2800" b="1" dirty="0">
-              <a:latin typeface="Century Gothic" panose="020B0502020202020204" pitchFamily="34" charset="0"/>
-            </a:endParaRPr>
-          </a:p>
-          <a:p>
             <a:r>
               <a:rPr lang="en-US" sz="2800" b="1" dirty="0">
                 <a:latin typeface="Century Gothic" panose="020B0502020202020204" pitchFamily="34" charset="0"/>
@@ -4722,6 +4717,54 @@
                 <a:latin typeface="Century Gothic" panose="020B0502020202020204" pitchFamily="34" charset="0"/>
               </a:rPr>
               <a:t>Develop a pipeline for automated processing of satellite imagery, automated detection and removal of snow, ice, water, and shadows from the scene, automated atmospheric characterization and removal, and automated “stretching” of the scenes.</a:t>
+            </a:r>
+          </a:p>
+          <a:p>
+            <a:endParaRPr lang="en-US" sz="2800" dirty="0">
+              <a:latin typeface="Century Gothic" panose="020B0502020202020204" pitchFamily="34" charset="0"/>
+            </a:endParaRPr>
+          </a:p>
+          <a:p>
+            <a:endParaRPr lang="en-US" sz="2800" b="1" dirty="0">
+              <a:latin typeface="Century Gothic" panose="020B0502020202020204" pitchFamily="34" charset="0"/>
+            </a:endParaRPr>
+          </a:p>
+          <a:p>
+            <a:endParaRPr lang="en-US" sz="2800" b="1" dirty="0">
+              <a:latin typeface="Century Gothic" panose="020B0502020202020204" pitchFamily="34" charset="0"/>
+            </a:endParaRPr>
+          </a:p>
+          <a:p>
+            <a:endParaRPr lang="en-US" sz="2800" b="1" dirty="0">
+              <a:latin typeface="Century Gothic" panose="020B0502020202020204" pitchFamily="34" charset="0"/>
+            </a:endParaRPr>
+          </a:p>
+          <a:p>
+            <a:endParaRPr lang="en-US" sz="2800" b="1" dirty="0">
+              <a:latin typeface="Century Gothic" panose="020B0502020202020204" pitchFamily="34" charset="0"/>
+            </a:endParaRPr>
+          </a:p>
+          <a:p>
+            <a:endParaRPr lang="en-US" sz="2800" b="1" dirty="0">
+              <a:latin typeface="Century Gothic" panose="020B0502020202020204" pitchFamily="34" charset="0"/>
+            </a:endParaRPr>
+          </a:p>
+          <a:p>
+            <a:endParaRPr lang="en-US" sz="2800" b="1" dirty="0">
+              <a:latin typeface="Century Gothic" panose="020B0502020202020204" pitchFamily="34" charset="0"/>
+            </a:endParaRPr>
+          </a:p>
+          <a:p>
+            <a:endParaRPr lang="en-US" sz="2800" b="1" dirty="0">
+              <a:latin typeface="Century Gothic" panose="020B0502020202020204" pitchFamily="34" charset="0"/>
+            </a:endParaRPr>
+          </a:p>
+          <a:p>
+            <a:r>
+              <a:rPr lang="en-US" sz="2800" dirty="0">
+                <a:latin typeface="Century Gothic" panose="020B0502020202020204" pitchFamily="34" charset="0"/>
+              </a:rPr>
+              <a:t>(Left) Visible image of Ong Valley, Miller Range, Central Transantarctic Mountains.  (Right) An automatically generated surface unit map produced using multispectral data and parameters.</a:t>
             </a:r>
           </a:p>
           <a:p>
@@ -5404,6 +5447,42 @@
           </a:p>
         </p:txBody>
       </p:sp>
+      <p:pic>
+        <p:nvPicPr>
+          <p:cNvPr id="15" name="Picture 14">
+            <a:extLst>
+              <a:ext uri="{FF2B5EF4-FFF2-40B4-BE49-F238E27FC236}">
+                <a16:creationId xmlns:a16="http://schemas.microsoft.com/office/drawing/2014/main" id="{66B8FD0E-2FF8-49C4-86A1-CC28349B53EA}"/>
+              </a:ext>
+            </a:extLst>
+          </p:cNvPr>
+          <p:cNvPicPr>
+            <a:picLocks noChangeAspect="1"/>
+          </p:cNvPicPr>
+          <p:nvPr/>
+        </p:nvPicPr>
+        <p:blipFill>
+          <a:blip r:embed="rId15">
+            <a:extLst>
+              <a:ext uri="{28A0092B-C50C-407E-A947-70E740481C1C}">
+                <a14:useLocalDpi xmlns:a14="http://schemas.microsoft.com/office/drawing/2010/main" val="0"/>
+              </a:ext>
+            </a:extLst>
+          </a:blip>
+          <a:stretch>
+            <a:fillRect/>
+          </a:stretch>
+        </p:blipFill>
+        <p:spPr>
+          <a:xfrm>
+            <a:off x="21273217" y="28225206"/>
+            <a:ext cx="8875776" cy="3218688"/>
+          </a:xfrm>
+          <a:prstGeom prst="rect">
+            <a:avLst/>
+          </a:prstGeom>
+        </p:spPr>
+      </p:pic>
     </p:spTree>
   </p:cSld>
   <p:clrMapOvr>

--- a/EarthCube2018/EarthCube2018poster.pptx
+++ b/EarthCube2018/EarthCube2018poster.pptx
@@ -218,7 +218,7 @@
           <a:p>
             <a:fld id="{3171C2A9-3E64-4CB9-ABD3-B13137213D17}" type="datetimeFigureOut">
               <a:rPr lang="en-US" smtClean="0"/>
-              <a:t>5/30/2018</a:t>
+              <a:t>5/31/2018</a:t>
             </a:fld>
             <a:endParaRPr lang="en-US"/>
           </a:p>
@@ -754,7 +754,7 @@
             <a:fld id="{25739577-A8FE-416D-AD3C-DAA948555F98}" type="datetimeFigureOut">
               <a:rPr lang="en-US" smtClean="0"/>
               <a:pPr/>
-              <a:t>5/30/2018</a:t>
+              <a:t>5/31/2018</a:t>
             </a:fld>
             <a:endParaRPr lang="en-US"/>
           </a:p>
@@ -919,7 +919,7 @@
             <a:fld id="{25739577-A8FE-416D-AD3C-DAA948555F98}" type="datetimeFigureOut">
               <a:rPr lang="en-US" smtClean="0"/>
               <a:pPr/>
-              <a:t>5/30/2018</a:t>
+              <a:t>5/31/2018</a:t>
             </a:fld>
             <a:endParaRPr lang="en-US"/>
           </a:p>
@@ -1094,7 +1094,7 @@
             <a:fld id="{25739577-A8FE-416D-AD3C-DAA948555F98}" type="datetimeFigureOut">
               <a:rPr lang="en-US" smtClean="0"/>
               <a:pPr/>
-              <a:t>5/30/2018</a:t>
+              <a:t>5/31/2018</a:t>
             </a:fld>
             <a:endParaRPr lang="en-US"/>
           </a:p>
@@ -1259,7 +1259,7 @@
             <a:fld id="{25739577-A8FE-416D-AD3C-DAA948555F98}" type="datetimeFigureOut">
               <a:rPr lang="en-US" smtClean="0"/>
               <a:pPr/>
-              <a:t>5/30/2018</a:t>
+              <a:t>5/31/2018</a:t>
             </a:fld>
             <a:endParaRPr lang="en-US"/>
           </a:p>
@@ -1501,7 +1501,7 @@
             <a:fld id="{25739577-A8FE-416D-AD3C-DAA948555F98}" type="datetimeFigureOut">
               <a:rPr lang="en-US" smtClean="0"/>
               <a:pPr/>
-              <a:t>5/30/2018</a:t>
+              <a:t>5/31/2018</a:t>
             </a:fld>
             <a:endParaRPr lang="en-US"/>
           </a:p>
@@ -1783,7 +1783,7 @@
             <a:fld id="{25739577-A8FE-416D-AD3C-DAA948555F98}" type="datetimeFigureOut">
               <a:rPr lang="en-US" smtClean="0"/>
               <a:pPr/>
-              <a:t>5/30/2018</a:t>
+              <a:t>5/31/2018</a:t>
             </a:fld>
             <a:endParaRPr lang="en-US"/>
           </a:p>
@@ -2204,7 +2204,7 @@
             <a:fld id="{25739577-A8FE-416D-AD3C-DAA948555F98}" type="datetimeFigureOut">
               <a:rPr lang="en-US" smtClean="0"/>
               <a:pPr/>
-              <a:t>5/30/2018</a:t>
+              <a:t>5/31/2018</a:t>
             </a:fld>
             <a:endParaRPr lang="en-US"/>
           </a:p>
@@ -2318,7 +2318,7 @@
             <a:fld id="{25739577-A8FE-416D-AD3C-DAA948555F98}" type="datetimeFigureOut">
               <a:rPr lang="en-US" smtClean="0"/>
               <a:pPr/>
-              <a:t>5/30/2018</a:t>
+              <a:t>5/31/2018</a:t>
             </a:fld>
             <a:endParaRPr lang="en-US"/>
           </a:p>
@@ -2410,7 +2410,7 @@
             <a:fld id="{25739577-A8FE-416D-AD3C-DAA948555F98}" type="datetimeFigureOut">
               <a:rPr lang="en-US" smtClean="0"/>
               <a:pPr/>
-              <a:t>5/30/2018</a:t>
+              <a:t>5/31/2018</a:t>
             </a:fld>
             <a:endParaRPr lang="en-US"/>
           </a:p>
@@ -2682,7 +2682,7 @@
             <a:fld id="{25739577-A8FE-416D-AD3C-DAA948555F98}" type="datetimeFigureOut">
               <a:rPr lang="en-US" smtClean="0"/>
               <a:pPr/>
-              <a:t>5/30/2018</a:t>
+              <a:t>5/31/2018</a:t>
             </a:fld>
             <a:endParaRPr lang="en-US"/>
           </a:p>
@@ -2931,7 +2931,7 @@
             <a:fld id="{25739577-A8FE-416D-AD3C-DAA948555F98}" type="datetimeFigureOut">
               <a:rPr lang="en-US" smtClean="0"/>
               <a:pPr/>
-              <a:t>5/30/2018</a:t>
+              <a:t>5/31/2018</a:t>
             </a:fld>
             <a:endParaRPr lang="en-US"/>
           </a:p>
@@ -3139,7 +3139,7 @@
             <a:fld id="{25739577-A8FE-416D-AD3C-DAA948555F98}" type="datetimeFigureOut">
               <a:rPr lang="en-US" smtClean="0"/>
               <a:pPr/>
-              <a:t>5/30/2018</a:t>
+              <a:t>5/31/2018</a:t>
             </a:fld>
             <a:endParaRPr lang="en-US"/>
           </a:p>
@@ -3675,7 +3675,15 @@
               <a:rPr lang="en-US" sz="4400" b="1" baseline="30000" dirty="0"/>
               <a:t>5</a:t>
             </a:r>
-            <a:endParaRPr lang="en-US" sz="4400" i="1" dirty="0"/>
+            <a:r>
+              <a:rPr lang="en-US" sz="4400" b="1" dirty="0"/>
+              <a:t>, MATTEO TURILLI</a:t>
+            </a:r>
+            <a:r>
+              <a:rPr lang="en-US" sz="4400" b="1" baseline="30000" dirty="0"/>
+              <a:t>2</a:t>
+            </a:r>
+            <a:endParaRPr lang="en-US" sz="4400" i="1" baseline="30000" dirty="0"/>
           </a:p>
         </p:txBody>
       </p:sp>
@@ -3724,8 +3732,8 @@
         </p:nvSpPr>
         <p:spPr bwMode="auto">
           <a:xfrm>
-            <a:off x="215818" y="10857133"/>
-            <a:ext cx="18181192" cy="5221067"/>
+            <a:off x="298692" y="10857133"/>
+            <a:ext cx="18228442" cy="5221067"/>
           </a:xfrm>
           <a:prstGeom prst="rect">
             <a:avLst/>
@@ -3751,76 +3759,6 @@
       </p:sp>
       <p:sp>
         <p:nvSpPr>
-          <p:cNvPr id="63" name="Text Box 47"/>
-          <p:cNvSpPr txBox="1">
-            <a:spLocks/>
-          </p:cNvSpPr>
-          <p:nvPr/>
-        </p:nvSpPr>
-        <p:spPr bwMode="auto">
-          <a:xfrm>
-            <a:off x="18898570" y="39975744"/>
-            <a:ext cx="13146152" cy="1877437"/>
-          </a:xfrm>
-          <a:prstGeom prst="rect">
-            <a:avLst/>
-          </a:prstGeom>
-          <a:noFill/>
-          <a:ln w="12700">
-            <a:noFill/>
-            <a:miter lim="800000"/>
-            <a:headEnd/>
-            <a:tailEnd/>
-          </a:ln>
-          <a:effectLst/>
-        </p:spPr>
-        <p:txBody>
-          <a:bodyPr wrap="square">
-            <a:spAutoFit/>
-          </a:bodyPr>
-          <a:lstStyle/>
-          <a:p>
-            <a:pPr marL="457200" indent="-457200"/>
-            <a:r>
-              <a:rPr lang="en-US" sz="2800" b="1" dirty="0"/>
-              <a:t>ACKOWLEDGEMENTS/REFERENCES</a:t>
-            </a:r>
-          </a:p>
-          <a:p>
-            <a:pPr marL="457200" indent="-457200"/>
-            <a:endParaRPr lang="en-US" sz="2200" dirty="0"/>
-          </a:p>
-          <a:p>
-            <a:pPr marL="457200" indent="-457200"/>
-            <a:r>
-              <a:rPr lang="en-US" sz="2200" dirty="0">
-                <a:hlinkClick r:id="rId4"/>
-              </a:rPr>
-              <a:t>https://github.com/iceberg-project</a:t>
-            </a:r>
-            <a:endParaRPr lang="en-US" sz="2200" dirty="0"/>
-          </a:p>
-          <a:p>
-            <a:pPr marL="457200" indent="-457200"/>
-            <a:r>
-              <a:rPr lang="en-US" sz="2200" dirty="0">
-                <a:hlinkClick r:id="rId5"/>
-              </a:rPr>
-              <a:t>http://radical-cybertools.github.io/</a:t>
-            </a:r>
-            <a:endParaRPr lang="en-US" sz="2200" dirty="0"/>
-          </a:p>
-          <a:p>
-            <a:pPr marL="457200" indent="-457200"/>
-            <a:r>
-              <a:rPr lang="en-US" sz="2200" dirty="0"/>
-              <a:t>https://www.xsede.org/</a:t>
-            </a:r>
-          </a:p>
-        </p:txBody>
-      </p:sp>
-      <p:sp>
-        <p:nvSpPr>
           <p:cNvPr id="65" name="TextBox 64"/>
           <p:cNvSpPr txBox="1"/>
           <p:nvPr/>
@@ -3907,7 +3845,7 @@
           <p:nvPr/>
         </p:nvPicPr>
         <p:blipFill>
-          <a:blip r:embed="rId6">
+          <a:blip r:embed="rId4">
             <a:extLst>
               <a:ext uri="{28A0092B-C50C-407E-A947-70E740481C1C}">
                 <a14:useLocalDpi xmlns:a14="http://schemas.microsoft.com/office/drawing/2010/main" val="0"/>
@@ -3948,7 +3886,7 @@
           <p:nvPr/>
         </p:nvPicPr>
         <p:blipFill>
-          <a:blip r:embed="rId7" cstate="print">
+          <a:blip r:embed="rId5" cstate="print">
             <a:extLst>
               <a:ext uri="{28A0092B-C50C-407E-A947-70E740481C1C}">
                 <a14:useLocalDpi xmlns:a14="http://schemas.microsoft.com/office/drawing/2010/main" val="0"/>
@@ -4036,7 +3974,7 @@
         <p:spPr>
           <a:xfrm>
             <a:off x="18898569" y="10894265"/>
-            <a:ext cx="13788966" cy="28958335"/>
+            <a:ext cx="13788966" cy="26900935"/>
           </a:xfrm>
           <a:prstGeom prst="rect">
             <a:avLst/>
@@ -4099,12 +4037,12 @@
           <a:graphicData uri="http://schemas.openxmlformats.org/presentationml/2006/ole">
             <mc:AlternateContent xmlns:mc="http://schemas.openxmlformats.org/markup-compatibility/2006">
               <mc:Choice xmlns:v="urn:schemas-microsoft-com:vml" Requires="v">
-                <p:oleObj spid="_x0000_s1026" name="Equation" r:id="rId8" imgW="114300" imgH="165100" progId="Equation.3">
+                <p:oleObj spid="_x0000_s1036" name="Equation" r:id="rId6" imgW="114300" imgH="165100" progId="Equation.3">
                   <p:embed/>
                 </p:oleObj>
               </mc:Choice>
               <mc:Fallback>
-                <p:oleObj name="Equation" r:id="rId8" imgW="114300" imgH="165100" progId="Equation.3">
+                <p:oleObj name="Equation" r:id="rId6" imgW="114300" imgH="165100" progId="Equation.3">
                   <p:embed/>
                   <p:pic>
                     <p:nvPicPr>
@@ -4113,7 +4051,7 @@
                       <p:nvPr/>
                     </p:nvPicPr>
                     <p:blipFill>
-                      <a:blip r:embed="rId9"/>
+                      <a:blip r:embed="rId7"/>
                       <a:stretch>
                         <a:fillRect/>
                       </a:stretch>
@@ -4167,19 +4105,7 @@
               <a:rPr lang="en-US" sz="3200" dirty="0">
                 <a:latin typeface="Century Gothic" panose="020B0502020202020204" pitchFamily="34" charset="0"/>
               </a:rPr>
-              <a:t>The polar regions are critical to our understanding of climate and biogeochemical cycling, but traditional constraints imposed by their remoteness have made it difficult to even map some of these areas, no less to understand the mechanisms that link the region’s geology, hydrology, and biology. Over the last decade, however, there has been an extraordinary increase in the capture and use of high-resolution satellite imagery in polar areas. As the community moves from smaller-scale projects to demonstrate feasibility, to regular (or even real-time) pan-Arctic and pan-Antarctic surveys, it has become clear that further progress in imagery-enabled science requires the development of cyberinfrastructure to unite high-performance and distributed computing resources with polar imagery and the tools required for their study (software and code for analysis). Here we demonstrate the use of our new developing cyberinfrastructure (ICEBERG - Imagery </a:t>
-            </a:r>
-            <a:r>
-              <a:rPr lang="en-US" sz="3200" dirty="0" err="1">
-                <a:latin typeface="Century Gothic" panose="020B0502020202020204" pitchFamily="34" charset="0"/>
-              </a:rPr>
-              <a:t>Cyberinfrastrcture</a:t>
-            </a:r>
-            <a:r>
-              <a:rPr lang="en-US" sz="3200" dirty="0">
-                <a:latin typeface="Century Gothic" panose="020B0502020202020204" pitchFamily="34" charset="0"/>
-              </a:rPr>
-              <a:t> and Extensible Building-Blocks to Enhance Research in the Geosciences) for a pan-Antarctic pack-ice seal survey. To accomplish this survey, we are using convolutional neural networks for imagery annotation, an approach of broad utility for a range of biological and geological applications involving imagery interpretation and one that requires the careful and efficient coordination of imagery and high performance and distributed computing. We will also introduce several of the other use cases being used to develop ICEBERG's functionality, which we expect will include much of the functionality required by the larger </a:t>
+              <a:t>The polar regions are critical to our understanding of climate and biogeochemical cycling, but traditional constraints imposed by their remoteness have made it difficult to even map some of these areas, no less to understand the mechanisms that link the region’s geology, hydrology, and biology. Over the last decade, however, there has been an extraordinary increase in the capture and use of high-resolution satellite imagery in polar areas. As the community moves from smaller-scale projects to demonstrate feasibility, to regular (or even real-time) pan-Arctic and pan-Antarctic surveys, it has become clear that further progress in imagery-enabled science requires the development of cyberinfrastructure to unite high-performance and distributed computing resources with polar imagery and the tools required for their study (software and code for analysis). Here we demonstrate the use of our new developing cyberinfrastructure (ICEBERG - Imagery Cyberinfrastructure and Extensible Building-Blocks to Enhance Research in the Geosciences) for a pan-Antarctic pack-ice seal survey. To accomplish this survey, we are using convolutional neural networks for imagery annotation, an approach of broad utility for a range of biological and geological applications involving imagery interpretation and one that requires the careful and efficient coordination of imagery and high performance and distributed computing. We will also introduce several of the other use cases being used to develop ICEBERG's functionality, which we expect will include much of the functionality required by the larger </a:t>
             </a:r>
             <a:r>
               <a:rPr lang="en-US" sz="3200" dirty="0" err="1">
@@ -4211,7 +4137,7 @@
           <p:nvPr/>
         </p:nvPicPr>
         <p:blipFill>
-          <a:blip r:embed="rId10">
+          <a:blip r:embed="rId8">
             <a:extLst>
               <a:ext uri="{28A0092B-C50C-407E-A947-70E740481C1C}">
                 <a14:useLocalDpi xmlns:a14="http://schemas.microsoft.com/office/drawing/2010/main" val="0"/>
@@ -4224,7 +4150,7 @@
         </p:blipFill>
         <p:spPr>
           <a:xfrm>
-            <a:off x="1066799" y="24163007"/>
+            <a:off x="1066799" y="24758019"/>
             <a:ext cx="4671339" cy="4274181"/>
           </a:xfrm>
           <a:prstGeom prst="rect">
@@ -4247,7 +4173,7 @@
           <p:nvPr/>
         </p:nvPicPr>
         <p:blipFill>
-          <a:blip r:embed="rId11">
+          <a:blip r:embed="rId9">
             <a:extLst>
               <a:ext uri="{28A0092B-C50C-407E-A947-70E740481C1C}">
                 <a14:useLocalDpi xmlns:a14="http://schemas.microsoft.com/office/drawing/2010/main" val="0"/>
@@ -4260,7 +4186,7 @@
         </p:blipFill>
         <p:spPr>
           <a:xfrm>
-            <a:off x="945803" y="28381737"/>
+            <a:off x="647149" y="28902572"/>
             <a:ext cx="13259903" cy="8911591"/>
           </a:xfrm>
           <a:prstGeom prst="rect">
@@ -4434,7 +4360,7 @@
           <p:nvPr/>
         </p:nvPicPr>
         <p:blipFill>
-          <a:blip r:embed="rId12" cstate="print">
+          <a:blip r:embed="rId10" cstate="print">
             <a:extLst>
               <a:ext uri="{28A0092B-C50C-407E-A947-70E740481C1C}">
                 <a14:useLocalDpi xmlns:a14="http://schemas.microsoft.com/office/drawing/2010/main" val="0"/>
@@ -4470,7 +4396,7 @@
         <p:spPr>
           <a:xfrm>
             <a:off x="19213191" y="11917091"/>
-            <a:ext cx="13050122" cy="27422892"/>
+            <a:ext cx="13050122" cy="29269551"/>
           </a:xfrm>
           <a:prstGeom prst="rect">
             <a:avLst/>
@@ -4914,7 +4840,52 @@
             <a:pPr>
               <a:buSzPct val="125000"/>
             </a:pPr>
-            <a:endParaRPr lang="en-US" sz="3200" dirty="0"/>
+            <a:r>
+              <a:rPr lang="en-US" sz="4000" b="1" dirty="0">
+                <a:latin typeface="Century Gothic" panose="020B0502020202020204" pitchFamily="34" charset="0"/>
+              </a:rPr>
+              <a:t>For more information: </a:t>
+            </a:r>
+          </a:p>
+          <a:p>
+            <a:pPr>
+              <a:buSzPct val="125000"/>
+            </a:pPr>
+            <a:r>
+              <a:rPr lang="en-US" sz="4000" b="1" dirty="0">
+                <a:solidFill>
+                  <a:srgbClr val="0070C0"/>
+                </a:solidFill>
+                <a:latin typeface="Century Gothic" panose="020B0502020202020204" pitchFamily="34" charset="0"/>
+              </a:rPr>
+              <a:t>https://iceberg-project.github.io/</a:t>
+            </a:r>
+          </a:p>
+          <a:p>
+            <a:pPr>
+              <a:buSzPct val="125000"/>
+            </a:pPr>
+            <a:r>
+              <a:rPr lang="en-US" sz="4000" b="1" dirty="0">
+                <a:solidFill>
+                  <a:srgbClr val="0070C0"/>
+                </a:solidFill>
+                <a:latin typeface="Century Gothic" charset="0"/>
+                <a:ea typeface="Century Gothic" charset="0"/>
+                <a:cs typeface="Century Gothic" charset="0"/>
+              </a:rPr>
+              <a:t>http://radical-cybertools.github.io/</a:t>
+            </a:r>
+          </a:p>
+          <a:p>
+            <a:pPr>
+              <a:buSzPct val="125000"/>
+            </a:pPr>
+            <a:endParaRPr lang="en-US" sz="3200" dirty="0">
+              <a:solidFill>
+                <a:srgbClr val="0070C0"/>
+              </a:solidFill>
+            </a:endParaRPr>
           </a:p>
         </p:txBody>
       </p:sp>
@@ -4994,16 +4965,10 @@
           <a:lstStyle/>
           <a:p>
             <a:r>
-              <a:rPr lang="en-US" sz="2800" i="1" dirty="0">
-                <a:latin typeface="Century Gothic" panose="020B0502020202020204" pitchFamily="34" charset="0"/>
-              </a:rPr>
-              <a:t>Figure 1</a:t>
-            </a:r>
-            <a:r>
               <a:rPr lang="en-US" sz="2800" dirty="0">
                 <a:latin typeface="Century Gothic" panose="020B0502020202020204" pitchFamily="34" charset="0"/>
               </a:rPr>
-              <a:t>  ICEBERG is the first  middleware step in processing the pipeline.  For each use case in Level 4, ICEBERG determines the tasks and resources needed to pass on to the Ensemble Toolkit (</a:t>
+              <a:t>ICEBERG is the first  middleware step in processing the pipeline.  For each use case in Level 4, ICEBERG determines the tasks and resources needed to pass on to the Ensemble Toolkit (</a:t>
             </a:r>
             <a:r>
               <a:rPr lang="en-US" sz="2800" dirty="0" err="1">
@@ -5027,7 +4992,7 @@
               <a:rPr lang="en-US" sz="2800" dirty="0">
                 <a:latin typeface="Century Gothic" panose="020B0502020202020204" pitchFamily="34" charset="0"/>
               </a:rPr>
-              <a:t> assembles the pipelines to pass to a pilot (Level 2) which then interfaces with XSEDE compute resources through SAGA (A Simple API for Grid Applications).</a:t>
+              <a:t> assembles the pipelines to pass to a pilot (Level 2) which then interfaces with XSEDE compute resources (Level 1) through SAGA (A Simple API for Grid Applications).</a:t>
             </a:r>
           </a:p>
         </p:txBody>
@@ -5046,8 +5011,8 @@
         </p:nvSpPr>
         <p:spPr>
           <a:xfrm>
-            <a:off x="12567660" y="31062103"/>
-            <a:ext cx="5514991" cy="4832092"/>
+            <a:off x="11887200" y="31062103"/>
+            <a:ext cx="6195451" cy="3970318"/>
           </a:xfrm>
           <a:prstGeom prst="rect">
             <a:avLst/>
@@ -5061,16 +5026,10 @@
           <a:lstStyle/>
           <a:p>
             <a:r>
-              <a:rPr lang="en-US" sz="2800" i="1" dirty="0">
-                <a:latin typeface="Century Gothic" panose="020B0502020202020204" pitchFamily="34" charset="0"/>
-              </a:rPr>
-              <a:t>Figure 2</a:t>
-            </a:r>
-            <a:r>
               <a:rPr lang="en-US" sz="2800" dirty="0">
                 <a:latin typeface="Century Gothic" panose="020B0502020202020204" pitchFamily="34" charset="0"/>
               </a:rPr>
-              <a:t>  The </a:t>
+              <a:t>The </a:t>
             </a:r>
             <a:r>
               <a:rPr lang="en-US" sz="2800" dirty="0" err="1">
@@ -5096,18 +5055,6 @@
               </a:rPr>
               <a:t> pipelines, each independent and therefore can run in parallel.  Depending on user input, one or more training model can be applied.  The full scale image is tiled and each tile is classified and seals counted in parallel.  </a:t>
             </a:r>
-            <a:r>
-              <a:rPr lang="en-US" sz="2800" dirty="0">
-                <a:solidFill>
-                  <a:srgbClr val="FF0000"/>
-                </a:solidFill>
-                <a:latin typeface="Century Gothic" panose="020B0502020202020204" pitchFamily="34" charset="0"/>
-              </a:rPr>
-              <a:t>Add runtime stats</a:t>
-            </a:r>
-            <a:endParaRPr lang="en-US" sz="2800" dirty="0">
-              <a:latin typeface="Century Gothic" panose="020B0502020202020204" pitchFamily="34" charset="0"/>
-            </a:endParaRPr>
           </a:p>
         </p:txBody>
       </p:sp>
@@ -5156,7 +5103,7 @@
           <p:nvPr/>
         </p:nvPicPr>
         <p:blipFill>
-          <a:blip r:embed="rId13"/>
+          <a:blip r:embed="rId11"/>
           <a:stretch>
             <a:fillRect/>
           </a:stretch>
@@ -5180,7 +5127,7 @@
           <p:nvPr/>
         </p:nvPicPr>
         <p:blipFill rotWithShape="1">
-          <a:blip r:embed="rId14">
+          <a:blip r:embed="rId12">
             <a:extLst>
               <a:ext uri="{28A0092B-C50C-407E-A947-70E740481C1C}">
                 <a14:useLocalDpi xmlns:a14="http://schemas.microsoft.com/office/drawing/2010/main" val="0"/>
@@ -5373,8 +5320,8 @@
         </p:nvSpPr>
         <p:spPr bwMode="auto">
           <a:xfrm>
-            <a:off x="272304" y="36499800"/>
-            <a:ext cx="18254831" cy="5325339"/>
+            <a:off x="272305" y="36499800"/>
+            <a:ext cx="9328896" cy="5325339"/>
           </a:xfrm>
           <a:prstGeom prst="rect">
             <a:avLst/>
@@ -5462,7 +5409,7 @@
           <p:nvPr/>
         </p:nvPicPr>
         <p:blipFill>
-          <a:blip r:embed="rId15">
+          <a:blip r:embed="rId13">
             <a:extLst>
               <a:ext uri="{28A0092B-C50C-407E-A947-70E740481C1C}">
                 <a14:useLocalDpi xmlns:a14="http://schemas.microsoft.com/office/drawing/2010/main" val="0"/>
@@ -5483,6 +5430,260 @@
           </a:prstGeom>
         </p:spPr>
       </p:pic>
+      <p:pic>
+        <p:nvPicPr>
+          <p:cNvPr id="10" name="Picture 9">
+            <a:extLst>
+              <a:ext uri="{FF2B5EF4-FFF2-40B4-BE49-F238E27FC236}">
+                <a16:creationId xmlns:a16="http://schemas.microsoft.com/office/drawing/2014/main" id="{F20487B0-F758-45EF-9251-B25B3077D4AB}"/>
+              </a:ext>
+            </a:extLst>
+          </p:cNvPr>
+          <p:cNvPicPr>
+            <a:picLocks noChangeAspect="1"/>
+          </p:cNvPicPr>
+          <p:nvPr/>
+        </p:nvPicPr>
+        <p:blipFill>
+          <a:blip r:embed="rId14">
+            <a:extLst>
+              <a:ext uri="{28A0092B-C50C-407E-A947-70E740481C1C}">
+                <a14:useLocalDpi xmlns:a14="http://schemas.microsoft.com/office/drawing/2010/main" val="0"/>
+              </a:ext>
+            </a:extLst>
+          </a:blip>
+          <a:stretch>
+            <a:fillRect/>
+          </a:stretch>
+        </p:blipFill>
+        <p:spPr>
+          <a:xfrm>
+            <a:off x="4840913" y="37196390"/>
+            <a:ext cx="4572000" cy="4572000"/>
+          </a:xfrm>
+          <a:prstGeom prst="rect">
+            <a:avLst/>
+          </a:prstGeom>
+        </p:spPr>
+      </p:pic>
+      <p:sp>
+        <p:nvSpPr>
+          <p:cNvPr id="35" name="TextBox 34">
+            <a:extLst>
+              <a:ext uri="{FF2B5EF4-FFF2-40B4-BE49-F238E27FC236}">
+                <a16:creationId xmlns:a16="http://schemas.microsoft.com/office/drawing/2014/main" id="{F209B298-9147-4A4A-9C23-5A100544E45D}"/>
+              </a:ext>
+            </a:extLst>
+          </p:cNvPr>
+          <p:cNvSpPr txBox="1"/>
+          <p:nvPr/>
+        </p:nvSpPr>
+        <p:spPr>
+          <a:xfrm>
+            <a:off x="546627" y="37379760"/>
+            <a:ext cx="4406373" cy="4401205"/>
+          </a:xfrm>
+          <a:prstGeom prst="rect">
+            <a:avLst/>
+          </a:prstGeom>
+          <a:noFill/>
+        </p:spPr>
+        <p:txBody>
+          <a:bodyPr wrap="square" rtlCol="0">
+            <a:spAutoFit/>
+          </a:bodyPr>
+          <a:lstStyle/>
+          <a:p>
+            <a:r>
+              <a:rPr lang="en-US" sz="2800" dirty="0">
+                <a:latin typeface="Century Gothic" panose="020B0502020202020204" pitchFamily="34" charset="0"/>
+              </a:rPr>
+              <a:t>A training session takes 7.5 – 10 hours on a Ubuntu desktop with one GPU (NVIDIA GeForce).</a:t>
+            </a:r>
+          </a:p>
+          <a:p>
+            <a:endParaRPr lang="en-US" sz="2800" dirty="0">
+              <a:latin typeface="Century Gothic" panose="020B0502020202020204" pitchFamily="34" charset="0"/>
+            </a:endParaRPr>
+          </a:p>
+          <a:p>
+            <a:r>
+              <a:rPr lang="en-US" sz="2800" dirty="0">
+                <a:latin typeface="Century Gothic" panose="020B0502020202020204" pitchFamily="34" charset="0"/>
+              </a:rPr>
+              <a:t>At right is the validation matrix for various classes, achieving 90-95% accuracy.  </a:t>
+            </a:r>
+          </a:p>
+        </p:txBody>
+      </p:sp>
+      <p:pic>
+        <p:nvPicPr>
+          <p:cNvPr id="24" name="Picture 23">
+            <a:extLst>
+              <a:ext uri="{FF2B5EF4-FFF2-40B4-BE49-F238E27FC236}">
+                <a16:creationId xmlns:a16="http://schemas.microsoft.com/office/drawing/2014/main" id="{E24DCD25-EEA3-4E33-9D19-2935DD4189CC}"/>
+              </a:ext>
+            </a:extLst>
+          </p:cNvPr>
+          <p:cNvPicPr>
+            <a:picLocks noChangeAspect="1"/>
+          </p:cNvPicPr>
+          <p:nvPr/>
+        </p:nvPicPr>
+        <p:blipFill>
+          <a:blip r:embed="rId15"/>
+          <a:stretch>
+            <a:fillRect/>
+          </a:stretch>
+        </p:blipFill>
+        <p:spPr>
+          <a:xfrm>
+            <a:off x="9855422" y="36483711"/>
+            <a:ext cx="8692860" cy="5413717"/>
+          </a:xfrm>
+          <a:prstGeom prst="rect">
+            <a:avLst/>
+          </a:prstGeom>
+        </p:spPr>
+      </p:pic>
+      <p:sp>
+        <p:nvSpPr>
+          <p:cNvPr id="37" name="Rectangle 36">
+            <a:extLst>
+              <a:ext uri="{FF2B5EF4-FFF2-40B4-BE49-F238E27FC236}">
+                <a16:creationId xmlns:a16="http://schemas.microsoft.com/office/drawing/2014/main" id="{37004FB9-10AD-4655-8926-CC3F6DF5F5C0}"/>
+              </a:ext>
+            </a:extLst>
+          </p:cNvPr>
+          <p:cNvSpPr/>
+          <p:nvPr/>
+        </p:nvSpPr>
+        <p:spPr>
+          <a:xfrm>
+            <a:off x="9984483" y="36609806"/>
+            <a:ext cx="6466835" cy="646331"/>
+          </a:xfrm>
+          <a:prstGeom prst="rect">
+            <a:avLst/>
+          </a:prstGeom>
+        </p:spPr>
+        <p:txBody>
+          <a:bodyPr wrap="none">
+            <a:spAutoFit/>
+          </a:bodyPr>
+          <a:lstStyle/>
+          <a:p>
+            <a:r>
+              <a:rPr lang="en-US" sz="3600" b="1" dirty="0">
+                <a:latin typeface="Century Gothic" panose="020B0502020202020204" pitchFamily="34" charset="0"/>
+              </a:rPr>
+              <a:t>EDUCATION AND OUTREACH</a:t>
+            </a:r>
+          </a:p>
+        </p:txBody>
+      </p:sp>
+      <p:sp>
+        <p:nvSpPr>
+          <p:cNvPr id="25" name="TextBox 24">
+            <a:extLst>
+              <a:ext uri="{FF2B5EF4-FFF2-40B4-BE49-F238E27FC236}">
+                <a16:creationId xmlns:a16="http://schemas.microsoft.com/office/drawing/2014/main" id="{AFDB8A9A-8927-4B78-949F-5F2E9BF0F523}"/>
+              </a:ext>
+            </a:extLst>
+          </p:cNvPr>
+          <p:cNvSpPr txBox="1"/>
+          <p:nvPr/>
+        </p:nvSpPr>
+        <p:spPr>
+          <a:xfrm>
+            <a:off x="2594303" y="38102874"/>
+            <a:ext cx="184731" cy="1369606"/>
+          </a:xfrm>
+          <a:prstGeom prst="rect">
+            <a:avLst/>
+          </a:prstGeom>
+          <a:noFill/>
+        </p:spPr>
+        <p:txBody>
+          <a:bodyPr wrap="none" rtlCol="0">
+            <a:spAutoFit/>
+          </a:bodyPr>
+          <a:lstStyle/>
+          <a:p>
+            <a:endParaRPr lang="en-US" dirty="0"/>
+          </a:p>
+        </p:txBody>
+      </p:sp>
+      <p:sp>
+        <p:nvSpPr>
+          <p:cNvPr id="39" name="TextBox 38">
+            <a:extLst>
+              <a:ext uri="{FF2B5EF4-FFF2-40B4-BE49-F238E27FC236}">
+                <a16:creationId xmlns:a16="http://schemas.microsoft.com/office/drawing/2014/main" id="{8B5A679E-4FDD-4211-A026-D76AF0121AAB}"/>
+              </a:ext>
+            </a:extLst>
+          </p:cNvPr>
+          <p:cNvSpPr txBox="1"/>
+          <p:nvPr/>
+        </p:nvSpPr>
+        <p:spPr>
+          <a:xfrm>
+            <a:off x="10165588" y="37353483"/>
+            <a:ext cx="8000069" cy="3108543"/>
+          </a:xfrm>
+          <a:prstGeom prst="rect">
+            <a:avLst/>
+          </a:prstGeom>
+          <a:noFill/>
+        </p:spPr>
+        <p:txBody>
+          <a:bodyPr wrap="square" rtlCol="0">
+            <a:spAutoFit/>
+          </a:bodyPr>
+          <a:lstStyle/>
+          <a:p>
+            <a:r>
+              <a:rPr lang="en-US" sz="2800" dirty="0">
+                <a:latin typeface="Century Gothic" panose="020B0502020202020204" pitchFamily="34" charset="0"/>
+              </a:rPr>
+              <a:t>Thanks to Rutgers Electrical and Computer Engineering Capstone 2018 students: Jake Lewandowski, </a:t>
+            </a:r>
+            <a:r>
+              <a:rPr lang="en-US" sz="2800" dirty="0" err="1">
+                <a:latin typeface="Century Gothic" panose="020B0502020202020204" pitchFamily="34" charset="0"/>
+              </a:rPr>
+              <a:t>Aashrit</a:t>
+            </a:r>
+            <a:r>
+              <a:rPr lang="en-US" sz="2800" dirty="0">
+                <a:latin typeface="Century Gothic" panose="020B0502020202020204" pitchFamily="34" charset="0"/>
+              </a:rPr>
+              <a:t> </a:t>
+            </a:r>
+            <a:r>
+              <a:rPr lang="en-US" sz="2800" dirty="0" err="1">
+                <a:latin typeface="Century Gothic" panose="020B0502020202020204" pitchFamily="34" charset="0"/>
+              </a:rPr>
+              <a:t>Kondapalli</a:t>
+            </a:r>
+            <a:r>
+              <a:rPr lang="en-US" sz="2800" dirty="0">
+                <a:latin typeface="Century Gothic" panose="020B0502020202020204" pitchFamily="34" charset="0"/>
+              </a:rPr>
+              <a:t>, Alexander Dewey, and Raj Patel for laying the groundwork in setting up pipelines, transferring files, writing batch scripts, </a:t>
+            </a:r>
+            <a:r>
+              <a:rPr lang="en-US" sz="2800">
+                <a:latin typeface="Century Gothic" panose="020B0502020202020204" pitchFamily="34" charset="0"/>
+              </a:rPr>
+              <a:t>and documentation.  </a:t>
+            </a:r>
+            <a:endParaRPr lang="en-US" sz="2800" dirty="0">
+              <a:latin typeface="Century Gothic" panose="020B0502020202020204" pitchFamily="34" charset="0"/>
+            </a:endParaRPr>
+          </a:p>
+        </p:txBody>
+      </p:sp>
     </p:spTree>
   </p:cSld>
   <p:clrMapOvr>

--- a/EarthCube2018/EarthCube2018poster.pptx
+++ b/EarthCube2018/EarthCube2018poster.pptx
@@ -4037,7 +4037,7 @@
           <a:graphicData uri="http://schemas.openxmlformats.org/presentationml/2006/ole">
             <mc:AlternateContent xmlns:mc="http://schemas.openxmlformats.org/markup-compatibility/2006">
               <mc:Choice xmlns:v="urn:schemas-microsoft-com:vml" Requires="v">
-                <p:oleObj spid="_x0000_s1036" name="Equation" r:id="rId6" imgW="114300" imgH="165100" progId="Equation.3">
+                <p:oleObj spid="_x0000_s1037" name="Equation" r:id="rId6" imgW="114300" imgH="165100" progId="Equation.3">
                   <p:embed/>
                 </p:oleObj>
               </mc:Choice>
@@ -5481,7 +5481,7 @@
         <p:spPr>
           <a:xfrm>
             <a:off x="546627" y="37379760"/>
-            <a:ext cx="4406373" cy="4401205"/>
+            <a:ext cx="4482573" cy="4401205"/>
           </a:xfrm>
           <a:prstGeom prst="rect">
             <a:avLst/>
@@ -5498,7 +5498,19 @@
               <a:rPr lang="en-US" sz="2800" dirty="0">
                 <a:latin typeface="Century Gothic" panose="020B0502020202020204" pitchFamily="34" charset="0"/>
               </a:rPr>
-              <a:t>A training session takes 7.5 – 10 hours on a Ubuntu desktop with one GPU (NVIDIA GeForce).</a:t>
+              <a:t>Model training takes 2 – 24 hours, depending on the CNN, with </a:t>
+            </a:r>
+            <a:r>
+              <a:rPr lang="en-US" sz="2800" dirty="0" err="1">
+                <a:latin typeface="Century Gothic" panose="020B0502020202020204" pitchFamily="34" charset="0"/>
+              </a:rPr>
+              <a:t>PyTorch</a:t>
+            </a:r>
+            <a:r>
+              <a:rPr lang="en-US" sz="2800" dirty="0">
+                <a:latin typeface="Century Gothic" panose="020B0502020202020204" pitchFamily="34" charset="0"/>
+              </a:rPr>
+              <a:t> and one GPU (NVIDIA GeForce 1080).</a:t>
             </a:r>
           </a:p>
           <a:p>
@@ -5511,7 +5523,7 @@
               <a:rPr lang="en-US" sz="2800" dirty="0">
                 <a:latin typeface="Century Gothic" panose="020B0502020202020204" pitchFamily="34" charset="0"/>
               </a:rPr>
-              <a:t>At right is the validation matrix for various classes, achieving 90-95% accuracy.  </a:t>
+              <a:t>At right is the confusion matrix for a CNN achieving 90-95% accuracy across classes.</a:t>
             </a:r>
           </a:p>
         </p:txBody>
